--- a/hospital management system presentation.cf group.pptx
+++ b/hospital management system presentation.cf group.pptx
@@ -3658,15 +3658,15 @@
       </p:sp>
       <p:pic>
         <p:nvPicPr>
-          <p:cNvPr id="1026" name="Picture 2"/>
+          <p:cNvPr id="4" name="Content Placeholder 3"/>
           <p:cNvPicPr>
-            <a:picLocks noGrp="1" noChangeAspect="1" noChangeArrowheads="1"/>
+            <a:picLocks noGrp="1" noChangeAspect="1"/>
           </p:cNvPicPr>
           <p:nvPr>
             <p:ph idx="1"/>
           </p:nvPr>
         </p:nvPicPr>
-        <p:blipFill rotWithShape="1">
+        <p:blipFill>
           <a:blip r:embed="rId2">
             <a:extLst>
               <a:ext uri="{28A0092B-C50C-407E-A947-70E740481C1C}">
@@ -3674,49 +3674,15 @@
               </a:ext>
             </a:extLst>
           </a:blip>
-          <a:stretch/>
+          <a:stretch>
+            <a:fillRect/>
+          </a:stretch>
         </p:blipFill>
-        <p:spPr bwMode="auto">
+        <p:spPr>
           <a:xfrm>
-            <a:off x="0" y="1295400"/>
-            <a:ext cx="8305800" cy="5562599"/>
+            <a:off x="0" y="1676400"/>
+            <a:ext cx="8305800" cy="5181600"/>
           </a:xfrm>
-          <a:prstGeom prst="rect">
-            <a:avLst/>
-          </a:prstGeom>
-          <a:noFill/>
-          <a:ln>
-            <a:noFill/>
-          </a:ln>
-          <a:effectLst/>
-          <a:extLst>
-            <a:ext uri="{909E8E84-426E-40DD-AFC4-6F175D3DCCD1}">
-              <a14:hiddenFill xmlns:a14="http://schemas.microsoft.com/office/drawing/2010/main">
-                <a:solidFill>
-                  <a:schemeClr val="accent1"/>
-                </a:solidFill>
-              </a14:hiddenFill>
-            </a:ext>
-            <a:ext uri="{91240B29-F687-4F45-9708-019B960494DF}">
-              <a14:hiddenLine xmlns:a14="http://schemas.microsoft.com/office/drawing/2010/main" w="9525">
-                <a:solidFill>
-                  <a:schemeClr val="tx1"/>
-                </a:solidFill>
-                <a:miter lim="800000"/>
-                <a:headEnd/>
-                <a:tailEnd/>
-              </a14:hiddenLine>
-            </a:ext>
-            <a:ext uri="{AF507438-7753-43E0-B8FC-AC1667EBCBE1}">
-              <a14:hiddenEffects xmlns:a14="http://schemas.microsoft.com/office/drawing/2010/main">
-                <a:effectLst>
-                  <a:outerShdw dist="35921" dir="2700000" algn="ctr" rotWithShape="0">
-                    <a:schemeClr val="bg2"/>
-                  </a:outerShdw>
-                </a:effectLst>
-              </a14:hiddenEffects>
-            </a:ext>
-          </a:extLst>
         </p:spPr>
       </p:pic>
     </p:spTree>
@@ -3827,44 +3793,6 @@
                                         </p:tav>
                                       </p:tavLst>
                                     </p:anim>
-                                  </p:childTnLst>
-                                </p:cTn>
-                              </p:par>
-                            </p:childTnLst>
-                          </p:cTn>
-                        </p:par>
-                      </p:childTnLst>
-                    </p:cTn>
-                  </p:par>
-                  <p:par>
-                    <p:cTn id="10" fill="hold">
-                      <p:stCondLst>
-                        <p:cond delay="indefinite"/>
-                      </p:stCondLst>
-                      <p:childTnLst>
-                        <p:par>
-                          <p:cTn id="11" fill="hold">
-                            <p:stCondLst>
-                              <p:cond delay="0"/>
-                            </p:stCondLst>
-                            <p:childTnLst>
-                              <p:par>
-                                <p:cTn id="12" presetID="8" presetClass="emph" presetSubtype="0" fill="hold" nodeType="clickEffect">
-                                  <p:stCondLst>
-                                    <p:cond delay="0"/>
-                                  </p:stCondLst>
-                                  <p:childTnLst>
-                                    <p:animRot by="21600000">
-                                      <p:cBhvr>
-                                        <p:cTn id="13" dur="2000" fill="hold"/>
-                                        <p:tgtEl>
-                                          <p:spTgt spid="1026"/>
-                                        </p:tgtEl>
-                                        <p:attrNameLst>
-                                          <p:attrName>r</p:attrName>
-                                        </p:attrNameLst>
-                                      </p:cBhvr>
-                                    </p:animRot>
                                   </p:childTnLst>
                                 </p:cTn>
                               </p:par>
@@ -8665,13 +8593,13 @@
         </p:nvSpPr>
         <p:spPr>
           <a:xfrm>
-            <a:off x="1447800" y="2133600"/>
-            <a:ext cx="6196405" cy="3603812"/>
+            <a:off x="1447800" y="3048000"/>
+            <a:ext cx="6196405" cy="3124200"/>
           </a:xfrm>
         </p:spPr>
         <p:txBody>
           <a:bodyPr>
-            <a:normAutofit fontScale="85000" lnSpcReduction="20000"/>
+            <a:normAutofit fontScale="77500" lnSpcReduction="20000"/>
           </a:bodyPr>
           <a:lstStyle/>
           <a:p>
@@ -10283,13 +10211,19 @@
               <a:rPr lang="en-US" sz="3600" dirty="0" smtClean="0">
                 <a:latin typeface="Arial Narrow" pitchFamily="34" charset="0"/>
               </a:rPr>
-              <a:t>                           </a:t>
+              <a:t>                             </a:t>
+            </a:r>
+            <a:r>
+              <a:rPr lang="en-US" sz="3600" dirty="0" err="1" smtClean="0">
+                <a:latin typeface="Arial Narrow" pitchFamily="34" charset="0"/>
+              </a:rPr>
+              <a:t>Aakif</a:t>
             </a:r>
             <a:r>
               <a:rPr lang="en-US" sz="3600" dirty="0" smtClean="0">
                 <a:latin typeface="Arial Narrow" pitchFamily="34" charset="0"/>
               </a:rPr>
-              <a:t>  Akif </a:t>
+              <a:t> </a:t>
             </a:r>
             <a:r>
               <a:rPr lang="en-US" sz="3600" dirty="0" smtClean="0">
@@ -10306,19 +10240,7 @@
               <a:rPr lang="en-US" sz="3600" dirty="0" smtClean="0">
                 <a:latin typeface="Arial Narrow" pitchFamily="34" charset="0"/>
               </a:rPr>
-              <a:t>      </a:t>
-            </a:r>
-            <a:r>
-              <a:rPr lang="en-US" sz="3600" dirty="0" smtClean="0">
-                <a:latin typeface="Arial Narrow" pitchFamily="34" charset="0"/>
-              </a:rPr>
-              <a:t> Usman </a:t>
-            </a:r>
-            <a:r>
-              <a:rPr lang="en-US" sz="3600" dirty="0" smtClean="0">
-                <a:latin typeface="Arial Narrow" pitchFamily="34" charset="0"/>
-              </a:rPr>
-              <a:t>ahmed khan</a:t>
+              <a:t>       Usman ahmed khan</a:t>
             </a:r>
             <a:endParaRPr lang="en-US" sz="3600" dirty="0">
               <a:latin typeface="Arial Narrow" pitchFamily="34" charset="0"/>
